--- a/forecast-what-if/what-if-overall.pptx
+++ b/forecast-what-if/what-if-overall.pptx
@@ -107,6 +107,11 @@
       </a:defRPr>
     </a:lvl9pPr>
   </p:defaultTextStyle>
+  <p:extLst>
+    <p:ext uri="{EFAFB233-063F-42B5-8137-9DF3F51BA10A}">
+      <p15:sldGuideLst xmlns:p15="http://schemas.microsoft.com/office/powerpoint/2012/main"/>
+    </p:ext>
+  </p:extLst>
 </p:presentation>
 </file>
 
@@ -4079,6 +4084,62 @@
       </p:grpSpPr>
       <p:sp>
         <p:nvSpPr>
+          <p:cNvPr id="34" name="正方形/長方形 33">
+            <a:extLst>
+              <a:ext uri="{FF2B5EF4-FFF2-40B4-BE49-F238E27FC236}">
+                <a16:creationId xmlns:a16="http://schemas.microsoft.com/office/drawing/2014/main" id="{8659DAF1-8803-A631-69B6-BBD6764597D7}"/>
+              </a:ext>
+            </a:extLst>
+          </p:cNvPr>
+          <p:cNvSpPr/>
+          <p:nvPr/>
+        </p:nvSpPr>
+        <p:spPr>
+          <a:xfrm>
+            <a:off x="799253" y="121277"/>
+            <a:ext cx="9746827" cy="6610774"/>
+          </a:xfrm>
+          <a:prstGeom prst="rect">
+            <a:avLst/>
+          </a:prstGeom>
+          <a:solidFill>
+            <a:srgbClr val="FFFFFF"/>
+          </a:solidFill>
+          <a:ln w="9525">
+            <a:noFill/>
+          </a:ln>
+        </p:spPr>
+        <p:style>
+          <a:lnRef idx="2">
+            <a:schemeClr val="accent1">
+              <a:shade val="50000"/>
+            </a:schemeClr>
+          </a:lnRef>
+          <a:fillRef idx="1">
+            <a:schemeClr val="accent1"/>
+          </a:fillRef>
+          <a:effectRef idx="0">
+            <a:schemeClr val="accent1"/>
+          </a:effectRef>
+          <a:fontRef idx="minor">
+            <a:schemeClr val="lt1"/>
+          </a:fontRef>
+        </p:style>
+        <p:txBody>
+          <a:bodyPr rtlCol="0" anchor="ctr"/>
+          <a:lstStyle/>
+          <a:p>
+            <a:pPr algn="ctr"/>
+            <a:endParaRPr kumimoji="1" lang="ja-JP" altLang="en-US">
+              <a:latin typeface="HackGen" panose="020B0509020203020207" pitchFamily="49" charset="-128"/>
+              <a:ea typeface="HackGen" panose="020B0509020203020207" pitchFamily="49" charset="-128"/>
+              <a:cs typeface="HackGen" panose="020B0509020203020207" pitchFamily="49" charset="-128"/>
+            </a:endParaRPr>
+          </a:p>
+        </p:txBody>
+      </p:sp>
+      <p:sp>
+        <p:nvSpPr>
           <p:cNvPr id="4" name="正方形/長方形 3">
             <a:extLst>
               <a:ext uri="{FF2B5EF4-FFF2-40B4-BE49-F238E27FC236}">
@@ -4097,7 +4158,9 @@
           <a:prstGeom prst="rect">
             <a:avLst/>
           </a:prstGeom>
-          <a:noFill/>
+          <a:solidFill>
+            <a:schemeClr val="bg1"/>
+          </a:solidFill>
           <a:ln w="9525">
             <a:solidFill>
               <a:schemeClr val="bg1">
@@ -4194,7 +4257,9 @@
           <a:prstGeom prst="rect">
             <a:avLst/>
           </a:prstGeom>
-          <a:noFill/>
+          <a:solidFill>
+            <a:schemeClr val="bg1"/>
+          </a:solidFill>
           <a:ln w="9525">
             <a:solidFill>
               <a:schemeClr val="bg1">
@@ -4252,7 +4317,9 @@
           <a:prstGeom prst="rect">
             <a:avLst/>
           </a:prstGeom>
-          <a:noFill/>
+          <a:solidFill>
+            <a:schemeClr val="bg1"/>
+          </a:solidFill>
           <a:ln w="9525">
             <a:solidFill>
               <a:schemeClr val="bg1">
@@ -4306,10 +4373,10 @@
       </p:sp>
       <p:sp>
         <p:nvSpPr>
-          <p:cNvPr id="18" name="正方形/長方形 17">
-            <a:extLst>
-              <a:ext uri="{FF2B5EF4-FFF2-40B4-BE49-F238E27FC236}">
-                <a16:creationId xmlns:a16="http://schemas.microsoft.com/office/drawing/2014/main" id="{CE6BFA6C-B2C1-535B-659F-9907AD2BF225}"/>
+          <p:cNvPr id="44" name="正方形/長方形 43">
+            <a:extLst>
+              <a:ext uri="{FF2B5EF4-FFF2-40B4-BE49-F238E27FC236}">
+                <a16:creationId xmlns:a16="http://schemas.microsoft.com/office/drawing/2014/main" id="{EF2A8F7E-74C0-4E16-5FC5-D5C73988FAF0}"/>
               </a:ext>
             </a:extLst>
           </p:cNvPr>
@@ -4318,13 +4385,15 @@
         </p:nvSpPr>
         <p:spPr>
           <a:xfrm>
-            <a:off x="3478956" y="1389111"/>
-            <a:ext cx="1362406" cy="288057"/>
+            <a:off x="3478957" y="3055350"/>
+            <a:ext cx="4061094" cy="3366897"/>
           </a:xfrm>
           <a:prstGeom prst="rect">
             <a:avLst/>
           </a:prstGeom>
-          <a:noFill/>
+          <a:solidFill>
+            <a:schemeClr val="bg1"/>
+          </a:solidFill>
           <a:ln w="9525">
             <a:solidFill>
               <a:schemeClr val="bg1">
@@ -4354,21 +4423,7 @@
           <a:lstStyle/>
           <a:p>
             <a:pPr algn="ctr"/>
-            <a:r>
-              <a:rPr lang="en-US" altLang="ja-JP" sz="1200" dirty="0">
-                <a:solidFill>
-                  <a:sysClr val="windowText" lastClr="000000"/>
-                </a:solidFill>
-                <a:latin typeface="HackGen" panose="020B0509020203020207" pitchFamily="49" charset="-128"/>
-                <a:ea typeface="HackGen" panose="020B0509020203020207" pitchFamily="49" charset="-128"/>
-                <a:cs typeface="HackGen" panose="020B0509020203020207" pitchFamily="49" charset="-128"/>
-              </a:rPr>
-              <a:t>Dataset(TTS)</a:t>
-            </a:r>
-            <a:endParaRPr kumimoji="1" lang="ja-JP" altLang="en-US" sz="1200" dirty="0">
-              <a:solidFill>
-                <a:sysClr val="windowText" lastClr="000000"/>
-              </a:solidFill>
+            <a:endParaRPr kumimoji="1" lang="ja-JP" altLang="en-US">
               <a:latin typeface="HackGen" panose="020B0509020203020207" pitchFamily="49" charset="-128"/>
               <a:ea typeface="HackGen" panose="020B0509020203020207" pitchFamily="49" charset="-128"/>
               <a:cs typeface="HackGen" panose="020B0509020203020207" pitchFamily="49" charset="-128"/>
@@ -4378,10 +4433,10 @@
       </p:sp>
       <p:sp>
         <p:nvSpPr>
-          <p:cNvPr id="20" name="正方形/長方形 19">
-            <a:extLst>
-              <a:ext uri="{FF2B5EF4-FFF2-40B4-BE49-F238E27FC236}">
-                <a16:creationId xmlns:a16="http://schemas.microsoft.com/office/drawing/2014/main" id="{78C019BD-C6F6-F491-A5DB-4A178D0F1FB5}"/>
+          <p:cNvPr id="50" name="正方形/長方形 49">
+            <a:extLst>
+              <a:ext uri="{FF2B5EF4-FFF2-40B4-BE49-F238E27FC236}">
+                <a16:creationId xmlns:a16="http://schemas.microsoft.com/office/drawing/2014/main" id="{81111789-342E-7AA8-3B57-C5A9F7D23666}"/>
               </a:ext>
             </a:extLst>
           </p:cNvPr>
@@ -4390,13 +4445,15 @@
         </p:nvSpPr>
         <p:spPr>
           <a:xfrm>
-            <a:off x="5597558" y="1632950"/>
-            <a:ext cx="1362406" cy="288057"/>
+            <a:off x="3478957" y="1389110"/>
+            <a:ext cx="1942494" cy="956158"/>
           </a:xfrm>
           <a:prstGeom prst="rect">
             <a:avLst/>
           </a:prstGeom>
-          <a:noFill/>
+          <a:solidFill>
+            <a:schemeClr val="bg1"/>
+          </a:solidFill>
           <a:ln w="9525">
             <a:solidFill>
               <a:schemeClr val="bg1">
@@ -4426,21 +4483,7 @@
           <a:lstStyle/>
           <a:p>
             <a:pPr algn="ctr"/>
-            <a:r>
-              <a:rPr lang="en-US" altLang="ja-JP" sz="1200" dirty="0">
-                <a:solidFill>
-                  <a:sysClr val="windowText" lastClr="000000"/>
-                </a:solidFill>
-                <a:latin typeface="HackGen" panose="020B0509020203020207" pitchFamily="49" charset="-128"/>
-                <a:ea typeface="HackGen" panose="020B0509020203020207" pitchFamily="49" charset="-128"/>
-                <a:cs typeface="HackGen" panose="020B0509020203020207" pitchFamily="49" charset="-128"/>
-              </a:rPr>
-              <a:t>Dataset(RTS)</a:t>
-            </a:r>
-            <a:endParaRPr kumimoji="1" lang="ja-JP" altLang="en-US" sz="1200" dirty="0">
-              <a:solidFill>
-                <a:sysClr val="windowText" lastClr="000000"/>
-              </a:solidFill>
+            <a:endParaRPr kumimoji="1" lang="ja-JP" altLang="en-US">
               <a:latin typeface="HackGen" panose="020B0509020203020207" pitchFamily="49" charset="-128"/>
               <a:ea typeface="HackGen" panose="020B0509020203020207" pitchFamily="49" charset="-128"/>
               <a:cs typeface="HackGen" panose="020B0509020203020207" pitchFamily="49" charset="-128"/>
@@ -4450,10 +4493,10 @@
       </p:sp>
       <p:sp>
         <p:nvSpPr>
-          <p:cNvPr id="22" name="正方形/長方形 21">
-            <a:extLst>
-              <a:ext uri="{FF2B5EF4-FFF2-40B4-BE49-F238E27FC236}">
-                <a16:creationId xmlns:a16="http://schemas.microsoft.com/office/drawing/2014/main" id="{8B8F241C-9236-C09A-BF49-34E6FE278FA2}"/>
+          <p:cNvPr id="52" name="正方形/長方形 51">
+            <a:extLst>
+              <a:ext uri="{FF2B5EF4-FFF2-40B4-BE49-F238E27FC236}">
+                <a16:creationId xmlns:a16="http://schemas.microsoft.com/office/drawing/2014/main" id="{8F923A88-8596-8F42-6182-02305CB74431}"/>
               </a:ext>
             </a:extLst>
           </p:cNvPr>
@@ -4462,13 +4505,15 @@
         </p:nvSpPr>
         <p:spPr>
           <a:xfrm>
-            <a:off x="3478956" y="3057733"/>
-            <a:ext cx="1362406" cy="288057"/>
+            <a:off x="5597557" y="1632949"/>
+            <a:ext cx="1942494" cy="956158"/>
           </a:xfrm>
           <a:prstGeom prst="rect">
             <a:avLst/>
           </a:prstGeom>
-          <a:noFill/>
+          <a:solidFill>
+            <a:schemeClr val="bg1"/>
+          </a:solidFill>
           <a:ln w="9525">
             <a:solidFill>
               <a:schemeClr val="bg1">
@@ -4498,21 +4543,7 @@
           <a:lstStyle/>
           <a:p>
             <a:pPr algn="ctr"/>
-            <a:r>
-              <a:rPr lang="en-US" altLang="ja-JP" sz="1200" dirty="0">
-                <a:solidFill>
-                  <a:sysClr val="windowText" lastClr="000000"/>
-                </a:solidFill>
-                <a:latin typeface="HackGen" panose="020B0509020203020207" pitchFamily="49" charset="-128"/>
-                <a:ea typeface="HackGen" panose="020B0509020203020207" pitchFamily="49" charset="-128"/>
-                <a:cs typeface="HackGen" panose="020B0509020203020207" pitchFamily="49" charset="-128"/>
-              </a:rPr>
-              <a:t>Predictor</a:t>
-            </a:r>
-            <a:endParaRPr kumimoji="1" lang="ja-JP" altLang="en-US" sz="1200" dirty="0">
-              <a:solidFill>
-                <a:sysClr val="windowText" lastClr="000000"/>
-              </a:solidFill>
+            <a:endParaRPr kumimoji="1" lang="ja-JP" altLang="en-US">
               <a:latin typeface="HackGen" panose="020B0509020203020207" pitchFamily="49" charset="-128"/>
               <a:ea typeface="HackGen" panose="020B0509020203020207" pitchFamily="49" charset="-128"/>
               <a:cs typeface="HackGen" panose="020B0509020203020207" pitchFamily="49" charset="-128"/>
@@ -4522,10 +4553,10 @@
       </p:sp>
       <p:sp>
         <p:nvSpPr>
-          <p:cNvPr id="26" name="正方形/長方形 25">
-            <a:extLst>
-              <a:ext uri="{FF2B5EF4-FFF2-40B4-BE49-F238E27FC236}">
-                <a16:creationId xmlns:a16="http://schemas.microsoft.com/office/drawing/2014/main" id="{0CC1EAAE-B35C-EB43-E571-73808D382398}"/>
+          <p:cNvPr id="54" name="正方形/長方形 53">
+            <a:extLst>
+              <a:ext uri="{FF2B5EF4-FFF2-40B4-BE49-F238E27FC236}">
+                <a16:creationId xmlns:a16="http://schemas.microsoft.com/office/drawing/2014/main" id="{44C09829-DB9C-E77E-4194-B47FB83C3AC0}"/>
               </a:ext>
             </a:extLst>
           </p:cNvPr>
@@ -4534,13 +4565,15 @@
         </p:nvSpPr>
         <p:spPr>
           <a:xfrm>
-            <a:off x="3925993" y="4059589"/>
-            <a:ext cx="1362406" cy="288057"/>
+            <a:off x="3782789" y="3616220"/>
+            <a:ext cx="3445690" cy="2691447"/>
           </a:xfrm>
           <a:prstGeom prst="rect">
             <a:avLst/>
           </a:prstGeom>
-          <a:noFill/>
+          <a:solidFill>
+            <a:schemeClr val="bg1"/>
+          </a:solidFill>
           <a:ln w="9525">
             <a:solidFill>
               <a:schemeClr val="bg1">
@@ -4570,396 +4603,6 @@
           <a:lstStyle/>
           <a:p>
             <a:pPr algn="ctr"/>
-            <a:r>
-              <a:rPr lang="en-US" altLang="ja-JP" sz="1200" dirty="0">
-                <a:solidFill>
-                  <a:sysClr val="windowText" lastClr="000000"/>
-                </a:solidFill>
-                <a:latin typeface="HackGen" panose="020B0509020203020207" pitchFamily="49" charset="-128"/>
-                <a:ea typeface="HackGen" panose="020B0509020203020207" pitchFamily="49" charset="-128"/>
-                <a:cs typeface="HackGen" panose="020B0509020203020207" pitchFamily="49" charset="-128"/>
-              </a:rPr>
-              <a:t>Export Job</a:t>
-            </a:r>
-            <a:endParaRPr kumimoji="1" lang="ja-JP" altLang="en-US" sz="1200" dirty="0">
-              <a:solidFill>
-                <a:sysClr val="windowText" lastClr="000000"/>
-              </a:solidFill>
-              <a:latin typeface="HackGen" panose="020B0509020203020207" pitchFamily="49" charset="-128"/>
-              <a:ea typeface="HackGen" panose="020B0509020203020207" pitchFamily="49" charset="-128"/>
-              <a:cs typeface="HackGen" panose="020B0509020203020207" pitchFamily="49" charset="-128"/>
-            </a:endParaRPr>
-          </a:p>
-        </p:txBody>
-      </p:sp>
-      <p:sp>
-        <p:nvSpPr>
-          <p:cNvPr id="28" name="正方形/長方形 27">
-            <a:extLst>
-              <a:ext uri="{FF2B5EF4-FFF2-40B4-BE49-F238E27FC236}">
-                <a16:creationId xmlns:a16="http://schemas.microsoft.com/office/drawing/2014/main" id="{38DFB266-D596-323C-E69C-B1D1DE5EA42B}"/>
-              </a:ext>
-            </a:extLst>
-          </p:cNvPr>
-          <p:cNvSpPr/>
-          <p:nvPr/>
-        </p:nvSpPr>
-        <p:spPr>
-          <a:xfrm>
-            <a:off x="5887601" y="2055707"/>
-            <a:ext cx="1362406" cy="288057"/>
-          </a:xfrm>
-          <a:prstGeom prst="rect">
-            <a:avLst/>
-          </a:prstGeom>
-          <a:noFill/>
-          <a:ln w="9525">
-            <a:solidFill>
-              <a:schemeClr val="bg1">
-                <a:lumMod val="50000"/>
-              </a:schemeClr>
-            </a:solidFill>
-          </a:ln>
-        </p:spPr>
-        <p:style>
-          <a:lnRef idx="2">
-            <a:schemeClr val="accent1">
-              <a:shade val="50000"/>
-            </a:schemeClr>
-          </a:lnRef>
-          <a:fillRef idx="1">
-            <a:schemeClr val="accent1"/>
-          </a:fillRef>
-          <a:effectRef idx="0">
-            <a:schemeClr val="accent1"/>
-          </a:effectRef>
-          <a:fontRef idx="minor">
-            <a:schemeClr val="lt1"/>
-          </a:fontRef>
-        </p:style>
-        <p:txBody>
-          <a:bodyPr rtlCol="0" anchor="ctr"/>
-          <a:lstStyle/>
-          <a:p>
-            <a:pPr algn="ctr"/>
-            <a:r>
-              <a:rPr lang="en-US" altLang="ja-JP" sz="1200" dirty="0">
-                <a:solidFill>
-                  <a:sysClr val="windowText" lastClr="000000"/>
-                </a:solidFill>
-                <a:latin typeface="HackGen" panose="020B0509020203020207" pitchFamily="49" charset="-128"/>
-                <a:ea typeface="HackGen" panose="020B0509020203020207" pitchFamily="49" charset="-128"/>
-                <a:cs typeface="HackGen" panose="020B0509020203020207" pitchFamily="49" charset="-128"/>
-              </a:rPr>
-              <a:t>Import Job</a:t>
-            </a:r>
-            <a:endParaRPr kumimoji="1" lang="ja-JP" altLang="en-US" sz="1200" dirty="0">
-              <a:solidFill>
-                <a:sysClr val="windowText" lastClr="000000"/>
-              </a:solidFill>
-              <a:latin typeface="HackGen" panose="020B0509020203020207" pitchFamily="49" charset="-128"/>
-              <a:ea typeface="HackGen" panose="020B0509020203020207" pitchFamily="49" charset="-128"/>
-              <a:cs typeface="HackGen" panose="020B0509020203020207" pitchFamily="49" charset="-128"/>
-            </a:endParaRPr>
-          </a:p>
-        </p:txBody>
-      </p:sp>
-      <p:sp>
-        <p:nvSpPr>
-          <p:cNvPr id="44" name="正方形/長方形 43">
-            <a:extLst>
-              <a:ext uri="{FF2B5EF4-FFF2-40B4-BE49-F238E27FC236}">
-                <a16:creationId xmlns:a16="http://schemas.microsoft.com/office/drawing/2014/main" id="{EF2A8F7E-74C0-4E16-5FC5-D5C73988FAF0}"/>
-              </a:ext>
-            </a:extLst>
-          </p:cNvPr>
-          <p:cNvSpPr/>
-          <p:nvPr/>
-        </p:nvSpPr>
-        <p:spPr>
-          <a:xfrm>
-            <a:off x="3478957" y="3055350"/>
-            <a:ext cx="4061094" cy="3366897"/>
-          </a:xfrm>
-          <a:prstGeom prst="rect">
-            <a:avLst/>
-          </a:prstGeom>
-          <a:noFill/>
-          <a:ln w="9525">
-            <a:solidFill>
-              <a:schemeClr val="bg1">
-                <a:lumMod val="50000"/>
-              </a:schemeClr>
-            </a:solidFill>
-          </a:ln>
-        </p:spPr>
-        <p:style>
-          <a:lnRef idx="2">
-            <a:schemeClr val="accent1">
-              <a:shade val="50000"/>
-            </a:schemeClr>
-          </a:lnRef>
-          <a:fillRef idx="1">
-            <a:schemeClr val="accent1"/>
-          </a:fillRef>
-          <a:effectRef idx="0">
-            <a:schemeClr val="accent1"/>
-          </a:effectRef>
-          <a:fontRef idx="minor">
-            <a:schemeClr val="lt1"/>
-          </a:fontRef>
-        </p:style>
-        <p:txBody>
-          <a:bodyPr rtlCol="0" anchor="ctr"/>
-          <a:lstStyle/>
-          <a:p>
-            <a:pPr algn="ctr"/>
-            <a:endParaRPr kumimoji="1" lang="ja-JP" altLang="en-US">
-              <a:latin typeface="HackGen" panose="020B0509020203020207" pitchFamily="49" charset="-128"/>
-              <a:ea typeface="HackGen" panose="020B0509020203020207" pitchFamily="49" charset="-128"/>
-              <a:cs typeface="HackGen" panose="020B0509020203020207" pitchFamily="49" charset="-128"/>
-            </a:endParaRPr>
-          </a:p>
-        </p:txBody>
-      </p:sp>
-      <p:sp>
-        <p:nvSpPr>
-          <p:cNvPr id="46" name="正方形/長方形 45">
-            <a:extLst>
-              <a:ext uri="{FF2B5EF4-FFF2-40B4-BE49-F238E27FC236}">
-                <a16:creationId xmlns:a16="http://schemas.microsoft.com/office/drawing/2014/main" id="{E71EA577-F579-EAF9-242E-967878B1AF02}"/>
-              </a:ext>
-            </a:extLst>
-          </p:cNvPr>
-          <p:cNvSpPr/>
-          <p:nvPr/>
-        </p:nvSpPr>
-        <p:spPr>
-          <a:xfrm>
-            <a:off x="3782790" y="3616220"/>
-            <a:ext cx="1362406" cy="288057"/>
-          </a:xfrm>
-          <a:prstGeom prst="rect">
-            <a:avLst/>
-          </a:prstGeom>
-          <a:noFill/>
-          <a:ln w="9525">
-            <a:solidFill>
-              <a:schemeClr val="bg1">
-                <a:lumMod val="50000"/>
-              </a:schemeClr>
-            </a:solidFill>
-          </a:ln>
-        </p:spPr>
-        <p:style>
-          <a:lnRef idx="2">
-            <a:schemeClr val="accent1">
-              <a:shade val="50000"/>
-            </a:schemeClr>
-          </a:lnRef>
-          <a:fillRef idx="1">
-            <a:schemeClr val="accent1"/>
-          </a:fillRef>
-          <a:effectRef idx="0">
-            <a:schemeClr val="accent1"/>
-          </a:effectRef>
-          <a:fontRef idx="minor">
-            <a:schemeClr val="lt1"/>
-          </a:fontRef>
-        </p:style>
-        <p:txBody>
-          <a:bodyPr rtlCol="0" anchor="ctr"/>
-          <a:lstStyle/>
-          <a:p>
-            <a:pPr algn="ctr"/>
-            <a:r>
-              <a:rPr lang="en-US" altLang="ja-JP" sz="1200" dirty="0">
-                <a:solidFill>
-                  <a:sysClr val="windowText" lastClr="000000"/>
-                </a:solidFill>
-                <a:latin typeface="HackGen" panose="020B0509020203020207" pitchFamily="49" charset="-128"/>
-                <a:ea typeface="HackGen" panose="020B0509020203020207" pitchFamily="49" charset="-128"/>
-                <a:cs typeface="HackGen" panose="020B0509020203020207" pitchFamily="49" charset="-128"/>
-              </a:rPr>
-              <a:t>Forecast</a:t>
-            </a:r>
-            <a:endParaRPr kumimoji="1" lang="ja-JP" altLang="en-US" sz="1200" dirty="0">
-              <a:solidFill>
-                <a:sysClr val="windowText" lastClr="000000"/>
-              </a:solidFill>
-              <a:latin typeface="HackGen" panose="020B0509020203020207" pitchFamily="49" charset="-128"/>
-              <a:ea typeface="HackGen" panose="020B0509020203020207" pitchFamily="49" charset="-128"/>
-              <a:cs typeface="HackGen" panose="020B0509020203020207" pitchFamily="49" charset="-128"/>
-            </a:endParaRPr>
-          </a:p>
-        </p:txBody>
-      </p:sp>
-      <p:sp>
-        <p:nvSpPr>
-          <p:cNvPr id="50" name="正方形/長方形 49">
-            <a:extLst>
-              <a:ext uri="{FF2B5EF4-FFF2-40B4-BE49-F238E27FC236}">
-                <a16:creationId xmlns:a16="http://schemas.microsoft.com/office/drawing/2014/main" id="{81111789-342E-7AA8-3B57-C5A9F7D23666}"/>
-              </a:ext>
-            </a:extLst>
-          </p:cNvPr>
-          <p:cNvSpPr/>
-          <p:nvPr/>
-        </p:nvSpPr>
-        <p:spPr>
-          <a:xfrm>
-            <a:off x="3478957" y="1389110"/>
-            <a:ext cx="1942494" cy="956158"/>
-          </a:xfrm>
-          <a:prstGeom prst="rect">
-            <a:avLst/>
-          </a:prstGeom>
-          <a:noFill/>
-          <a:ln w="9525">
-            <a:solidFill>
-              <a:schemeClr val="bg1">
-                <a:lumMod val="50000"/>
-              </a:schemeClr>
-            </a:solidFill>
-          </a:ln>
-        </p:spPr>
-        <p:style>
-          <a:lnRef idx="2">
-            <a:schemeClr val="accent1">
-              <a:shade val="50000"/>
-            </a:schemeClr>
-          </a:lnRef>
-          <a:fillRef idx="1">
-            <a:schemeClr val="accent1"/>
-          </a:fillRef>
-          <a:effectRef idx="0">
-            <a:schemeClr val="accent1"/>
-          </a:effectRef>
-          <a:fontRef idx="minor">
-            <a:schemeClr val="lt1"/>
-          </a:fontRef>
-        </p:style>
-        <p:txBody>
-          <a:bodyPr rtlCol="0" anchor="ctr"/>
-          <a:lstStyle/>
-          <a:p>
-            <a:pPr algn="ctr"/>
-            <a:endParaRPr kumimoji="1" lang="ja-JP" altLang="en-US">
-              <a:latin typeface="HackGen" panose="020B0509020203020207" pitchFamily="49" charset="-128"/>
-              <a:ea typeface="HackGen" panose="020B0509020203020207" pitchFamily="49" charset="-128"/>
-              <a:cs typeface="HackGen" panose="020B0509020203020207" pitchFamily="49" charset="-128"/>
-            </a:endParaRPr>
-          </a:p>
-        </p:txBody>
-      </p:sp>
-      <p:sp>
-        <p:nvSpPr>
-          <p:cNvPr id="52" name="正方形/長方形 51">
-            <a:extLst>
-              <a:ext uri="{FF2B5EF4-FFF2-40B4-BE49-F238E27FC236}">
-                <a16:creationId xmlns:a16="http://schemas.microsoft.com/office/drawing/2014/main" id="{8F923A88-8596-8F42-6182-02305CB74431}"/>
-              </a:ext>
-            </a:extLst>
-          </p:cNvPr>
-          <p:cNvSpPr/>
-          <p:nvPr/>
-        </p:nvSpPr>
-        <p:spPr>
-          <a:xfrm>
-            <a:off x="5597557" y="1632949"/>
-            <a:ext cx="1942494" cy="956158"/>
-          </a:xfrm>
-          <a:prstGeom prst="rect">
-            <a:avLst/>
-          </a:prstGeom>
-          <a:noFill/>
-          <a:ln w="9525">
-            <a:solidFill>
-              <a:schemeClr val="bg1">
-                <a:lumMod val="50000"/>
-              </a:schemeClr>
-            </a:solidFill>
-          </a:ln>
-        </p:spPr>
-        <p:style>
-          <a:lnRef idx="2">
-            <a:schemeClr val="accent1">
-              <a:shade val="50000"/>
-            </a:schemeClr>
-          </a:lnRef>
-          <a:fillRef idx="1">
-            <a:schemeClr val="accent1"/>
-          </a:fillRef>
-          <a:effectRef idx="0">
-            <a:schemeClr val="accent1"/>
-          </a:effectRef>
-          <a:fontRef idx="minor">
-            <a:schemeClr val="lt1"/>
-          </a:fontRef>
-        </p:style>
-        <p:txBody>
-          <a:bodyPr rtlCol="0" anchor="ctr"/>
-          <a:lstStyle/>
-          <a:p>
-            <a:pPr algn="ctr"/>
-            <a:endParaRPr kumimoji="1" lang="ja-JP" altLang="en-US">
-              <a:latin typeface="HackGen" panose="020B0509020203020207" pitchFamily="49" charset="-128"/>
-              <a:ea typeface="HackGen" panose="020B0509020203020207" pitchFamily="49" charset="-128"/>
-              <a:cs typeface="HackGen" panose="020B0509020203020207" pitchFamily="49" charset="-128"/>
-            </a:endParaRPr>
-          </a:p>
-        </p:txBody>
-      </p:sp>
-      <p:sp>
-        <p:nvSpPr>
-          <p:cNvPr id="54" name="正方形/長方形 53">
-            <a:extLst>
-              <a:ext uri="{FF2B5EF4-FFF2-40B4-BE49-F238E27FC236}">
-                <a16:creationId xmlns:a16="http://schemas.microsoft.com/office/drawing/2014/main" id="{44C09829-DB9C-E77E-4194-B47FB83C3AC0}"/>
-              </a:ext>
-            </a:extLst>
-          </p:cNvPr>
-          <p:cNvSpPr/>
-          <p:nvPr/>
-        </p:nvSpPr>
-        <p:spPr>
-          <a:xfrm>
-            <a:off x="3782789" y="3616220"/>
-            <a:ext cx="3445690" cy="2691447"/>
-          </a:xfrm>
-          <a:prstGeom prst="rect">
-            <a:avLst/>
-          </a:prstGeom>
-          <a:noFill/>
-          <a:ln w="9525">
-            <a:solidFill>
-              <a:schemeClr val="bg1">
-                <a:lumMod val="50000"/>
-              </a:schemeClr>
-            </a:solidFill>
-          </a:ln>
-        </p:spPr>
-        <p:style>
-          <a:lnRef idx="2">
-            <a:schemeClr val="accent1">
-              <a:shade val="50000"/>
-            </a:schemeClr>
-          </a:lnRef>
-          <a:fillRef idx="1">
-            <a:schemeClr val="accent1"/>
-          </a:fillRef>
-          <a:effectRef idx="0">
-            <a:schemeClr val="accent1"/>
-          </a:effectRef>
-          <a:fontRef idx="minor">
-            <a:schemeClr val="lt1"/>
-          </a:fontRef>
-        </p:style>
-        <p:txBody>
-          <a:bodyPr rtlCol="0" anchor="ctr"/>
-          <a:lstStyle/>
-          <a:p>
-            <a:pPr algn="ctr"/>
             <a:endParaRPr kumimoji="1" lang="ja-JP" altLang="en-US">
               <a:latin typeface="HackGen" panose="020B0509020203020207" pitchFamily="49" charset="-128"/>
               <a:ea typeface="HackGen" panose="020B0509020203020207" pitchFamily="49" charset="-128"/>
@@ -4988,7 +4631,9 @@
           <a:prstGeom prst="rect">
             <a:avLst/>
           </a:prstGeom>
-          <a:noFill/>
+          <a:solidFill>
+            <a:schemeClr val="bg1"/>
+          </a:solidFill>
           <a:ln w="9525">
             <a:solidFill>
               <a:schemeClr val="bg1">
@@ -5253,7 +4898,7 @@
             </a:extLst>
           </p:cNvPr>
           <p:cNvCxnSpPr>
-            <a:endCxn id="22" idx="0"/>
+            <a:cxnSpLocks/>
           </p:cNvCxnSpPr>
           <p:nvPr/>
         </p:nvCxnSpPr>
@@ -5265,7 +4910,7 @@
           <a:prstGeom prst="bentConnector3">
             <a:avLst/>
           </a:prstGeom>
-          <a:ln w="9525">
+          <a:ln w="12700">
             <a:solidFill>
               <a:schemeClr val="bg1">
                 <a:lumMod val="50000"/>
@@ -5301,7 +4946,6 @@
           <p:cNvCxnSpPr>
             <a:cxnSpLocks/>
             <a:stCxn id="52" idx="2"/>
-            <a:endCxn id="22" idx="0"/>
           </p:cNvCxnSpPr>
           <p:nvPr/>
         </p:nvCxnSpPr>
@@ -5315,7 +4959,7 @@
               <a:gd name="adj1" fmla="val 50000"/>
             </a:avLst>
           </a:prstGeom>
-          <a:ln w="9525">
+          <a:ln w="12700">
             <a:solidFill>
               <a:schemeClr val="bg1">
                 <a:lumMod val="50000"/>
@@ -5440,7 +5084,6 @@
           <p:cNvCxnSpPr>
             <a:cxnSpLocks/>
             <a:stCxn id="77" idx="3"/>
-            <a:endCxn id="28" idx="1"/>
           </p:cNvCxnSpPr>
           <p:nvPr/>
         </p:nvCxnSpPr>
@@ -5528,7 +5171,6 @@
           </p:cNvPr>
           <p:cNvCxnSpPr>
             <a:cxnSpLocks/>
-            <a:stCxn id="26" idx="3"/>
             <a:endCxn id="94" idx="1"/>
           </p:cNvCxnSpPr>
           <p:nvPr/>
@@ -6007,6 +5649,658 @@
                 <a:cs typeface="HackGen" panose="020B0509020203020207" pitchFamily="49" charset="-128"/>
               </a:rPr>
               <a:t>Amazon Forecast</a:t>
+            </a:r>
+            <a:endParaRPr kumimoji="1" lang="ja-JP" altLang="en-US" sz="1200" dirty="0">
+              <a:solidFill>
+                <a:sysClr val="windowText" lastClr="000000"/>
+              </a:solidFill>
+              <a:latin typeface="HackGen" panose="020B0509020203020207" pitchFamily="49" charset="-128"/>
+              <a:ea typeface="HackGen" panose="020B0509020203020207" pitchFamily="49" charset="-128"/>
+              <a:cs typeface="HackGen" panose="020B0509020203020207" pitchFamily="49" charset="-128"/>
+            </a:endParaRPr>
+          </a:p>
+        </p:txBody>
+      </p:sp>
+      <p:sp>
+        <p:nvSpPr>
+          <p:cNvPr id="3" name="正方形/長方形 2">
+            <a:extLst>
+              <a:ext uri="{FF2B5EF4-FFF2-40B4-BE49-F238E27FC236}">
+                <a16:creationId xmlns:a16="http://schemas.microsoft.com/office/drawing/2014/main" id="{3D659C54-602E-6304-0EF2-B9DA0D3BCE80}"/>
+              </a:ext>
+            </a:extLst>
+          </p:cNvPr>
+          <p:cNvSpPr/>
+          <p:nvPr/>
+        </p:nvSpPr>
+        <p:spPr>
+          <a:xfrm>
+            <a:off x="3478956" y="1389111"/>
+            <a:ext cx="1362406" cy="288057"/>
+          </a:xfrm>
+          <a:prstGeom prst="rect">
+            <a:avLst/>
+          </a:prstGeom>
+          <a:solidFill>
+            <a:schemeClr val="bg1"/>
+          </a:solidFill>
+          <a:ln w="9525">
+            <a:solidFill>
+              <a:schemeClr val="bg1">
+                <a:lumMod val="50000"/>
+              </a:schemeClr>
+            </a:solidFill>
+          </a:ln>
+        </p:spPr>
+        <p:style>
+          <a:lnRef idx="2">
+            <a:schemeClr val="accent1">
+              <a:shade val="50000"/>
+            </a:schemeClr>
+          </a:lnRef>
+          <a:fillRef idx="1">
+            <a:schemeClr val="accent1"/>
+          </a:fillRef>
+          <a:effectRef idx="0">
+            <a:schemeClr val="accent1"/>
+          </a:effectRef>
+          <a:fontRef idx="minor">
+            <a:schemeClr val="lt1"/>
+          </a:fontRef>
+        </p:style>
+        <p:txBody>
+          <a:bodyPr rtlCol="0" anchor="ctr"/>
+          <a:lstStyle/>
+          <a:p>
+            <a:pPr algn="ctr"/>
+            <a:r>
+              <a:rPr lang="en-US" altLang="ja-JP" sz="1200" dirty="0">
+                <a:solidFill>
+                  <a:sysClr val="windowText" lastClr="000000"/>
+                </a:solidFill>
+                <a:latin typeface="HackGen" panose="020B0509020203020207" pitchFamily="49" charset="-128"/>
+                <a:ea typeface="HackGen" panose="020B0509020203020207" pitchFamily="49" charset="-128"/>
+                <a:cs typeface="HackGen" panose="020B0509020203020207" pitchFamily="49" charset="-128"/>
+              </a:rPr>
+              <a:t>Dataset(TTS)</a:t>
+            </a:r>
+            <a:endParaRPr kumimoji="1" lang="ja-JP" altLang="en-US" sz="1200" dirty="0">
+              <a:solidFill>
+                <a:sysClr val="windowText" lastClr="000000"/>
+              </a:solidFill>
+              <a:latin typeface="HackGen" panose="020B0509020203020207" pitchFamily="49" charset="-128"/>
+              <a:ea typeface="HackGen" panose="020B0509020203020207" pitchFamily="49" charset="-128"/>
+              <a:cs typeface="HackGen" panose="020B0509020203020207" pitchFamily="49" charset="-128"/>
+            </a:endParaRPr>
+          </a:p>
+        </p:txBody>
+      </p:sp>
+      <p:sp>
+        <p:nvSpPr>
+          <p:cNvPr id="7" name="正方形/長方形 6">
+            <a:extLst>
+              <a:ext uri="{FF2B5EF4-FFF2-40B4-BE49-F238E27FC236}">
+                <a16:creationId xmlns:a16="http://schemas.microsoft.com/office/drawing/2014/main" id="{68D55320-7904-5A59-902F-551E0A38C91D}"/>
+              </a:ext>
+            </a:extLst>
+          </p:cNvPr>
+          <p:cNvSpPr/>
+          <p:nvPr/>
+        </p:nvSpPr>
+        <p:spPr>
+          <a:xfrm>
+            <a:off x="5597558" y="1632950"/>
+            <a:ext cx="1362406" cy="288057"/>
+          </a:xfrm>
+          <a:prstGeom prst="rect">
+            <a:avLst/>
+          </a:prstGeom>
+          <a:solidFill>
+            <a:schemeClr val="bg1"/>
+          </a:solidFill>
+          <a:ln w="9525">
+            <a:solidFill>
+              <a:schemeClr val="bg1">
+                <a:lumMod val="50000"/>
+              </a:schemeClr>
+            </a:solidFill>
+          </a:ln>
+        </p:spPr>
+        <p:style>
+          <a:lnRef idx="2">
+            <a:schemeClr val="accent1">
+              <a:shade val="50000"/>
+            </a:schemeClr>
+          </a:lnRef>
+          <a:fillRef idx="1">
+            <a:schemeClr val="accent1"/>
+          </a:fillRef>
+          <a:effectRef idx="0">
+            <a:schemeClr val="accent1"/>
+          </a:effectRef>
+          <a:fontRef idx="minor">
+            <a:schemeClr val="lt1"/>
+          </a:fontRef>
+        </p:style>
+        <p:txBody>
+          <a:bodyPr rtlCol="0" anchor="ctr"/>
+          <a:lstStyle/>
+          <a:p>
+            <a:pPr algn="ctr"/>
+            <a:r>
+              <a:rPr lang="en-US" altLang="ja-JP" sz="1200" dirty="0">
+                <a:solidFill>
+                  <a:sysClr val="windowText" lastClr="000000"/>
+                </a:solidFill>
+                <a:latin typeface="HackGen" panose="020B0509020203020207" pitchFamily="49" charset="-128"/>
+                <a:ea typeface="HackGen" panose="020B0509020203020207" pitchFamily="49" charset="-128"/>
+                <a:cs typeface="HackGen" panose="020B0509020203020207" pitchFamily="49" charset="-128"/>
+              </a:rPr>
+              <a:t>Dataset(RTS)</a:t>
+            </a:r>
+            <a:endParaRPr kumimoji="1" lang="ja-JP" altLang="en-US" sz="1200" dirty="0">
+              <a:solidFill>
+                <a:sysClr val="windowText" lastClr="000000"/>
+              </a:solidFill>
+              <a:latin typeface="HackGen" panose="020B0509020203020207" pitchFamily="49" charset="-128"/>
+              <a:ea typeface="HackGen" panose="020B0509020203020207" pitchFamily="49" charset="-128"/>
+              <a:cs typeface="HackGen" panose="020B0509020203020207" pitchFamily="49" charset="-128"/>
+            </a:endParaRPr>
+          </a:p>
+        </p:txBody>
+      </p:sp>
+      <p:sp>
+        <p:nvSpPr>
+          <p:cNvPr id="11" name="正方形/長方形 10">
+            <a:extLst>
+              <a:ext uri="{FF2B5EF4-FFF2-40B4-BE49-F238E27FC236}">
+                <a16:creationId xmlns:a16="http://schemas.microsoft.com/office/drawing/2014/main" id="{C204293B-A833-84D2-85CB-481A48538D7C}"/>
+              </a:ext>
+            </a:extLst>
+          </p:cNvPr>
+          <p:cNvSpPr/>
+          <p:nvPr/>
+        </p:nvSpPr>
+        <p:spPr>
+          <a:xfrm>
+            <a:off x="5887601" y="2055707"/>
+            <a:ext cx="1362406" cy="288057"/>
+          </a:xfrm>
+          <a:prstGeom prst="rect">
+            <a:avLst/>
+          </a:prstGeom>
+          <a:solidFill>
+            <a:schemeClr val="bg1"/>
+          </a:solidFill>
+          <a:ln w="9525">
+            <a:solidFill>
+              <a:schemeClr val="bg1">
+                <a:lumMod val="50000"/>
+              </a:schemeClr>
+            </a:solidFill>
+          </a:ln>
+        </p:spPr>
+        <p:style>
+          <a:lnRef idx="2">
+            <a:schemeClr val="accent1">
+              <a:shade val="50000"/>
+            </a:schemeClr>
+          </a:lnRef>
+          <a:fillRef idx="1">
+            <a:schemeClr val="accent1"/>
+          </a:fillRef>
+          <a:effectRef idx="0">
+            <a:schemeClr val="accent1"/>
+          </a:effectRef>
+          <a:fontRef idx="minor">
+            <a:schemeClr val="lt1"/>
+          </a:fontRef>
+        </p:style>
+        <p:txBody>
+          <a:bodyPr rtlCol="0" anchor="ctr"/>
+          <a:lstStyle/>
+          <a:p>
+            <a:pPr algn="ctr"/>
+            <a:r>
+              <a:rPr lang="en-US" altLang="ja-JP" sz="1200" dirty="0">
+                <a:solidFill>
+                  <a:sysClr val="windowText" lastClr="000000"/>
+                </a:solidFill>
+                <a:latin typeface="HackGen" panose="020B0509020203020207" pitchFamily="49" charset="-128"/>
+                <a:ea typeface="HackGen" panose="020B0509020203020207" pitchFamily="49" charset="-128"/>
+                <a:cs typeface="HackGen" panose="020B0509020203020207" pitchFamily="49" charset="-128"/>
+              </a:rPr>
+              <a:t>Import Job</a:t>
+            </a:r>
+            <a:endParaRPr kumimoji="1" lang="ja-JP" altLang="en-US" sz="1200" dirty="0">
+              <a:solidFill>
+                <a:sysClr val="windowText" lastClr="000000"/>
+              </a:solidFill>
+              <a:latin typeface="HackGen" panose="020B0509020203020207" pitchFamily="49" charset="-128"/>
+              <a:ea typeface="HackGen" panose="020B0509020203020207" pitchFamily="49" charset="-128"/>
+              <a:cs typeface="HackGen" panose="020B0509020203020207" pitchFamily="49" charset="-128"/>
+            </a:endParaRPr>
+          </a:p>
+        </p:txBody>
+      </p:sp>
+      <p:sp>
+        <p:nvSpPr>
+          <p:cNvPr id="13" name="正方形/長方形 12">
+            <a:extLst>
+              <a:ext uri="{FF2B5EF4-FFF2-40B4-BE49-F238E27FC236}">
+                <a16:creationId xmlns:a16="http://schemas.microsoft.com/office/drawing/2014/main" id="{A883392A-6C53-B9C2-3051-364982D7F9CD}"/>
+              </a:ext>
+            </a:extLst>
+          </p:cNvPr>
+          <p:cNvSpPr/>
+          <p:nvPr/>
+        </p:nvSpPr>
+        <p:spPr>
+          <a:xfrm>
+            <a:off x="3478956" y="3057733"/>
+            <a:ext cx="1362406" cy="288057"/>
+          </a:xfrm>
+          <a:prstGeom prst="rect">
+            <a:avLst/>
+          </a:prstGeom>
+          <a:solidFill>
+            <a:schemeClr val="bg1"/>
+          </a:solidFill>
+          <a:ln w="9525">
+            <a:solidFill>
+              <a:schemeClr val="bg1">
+                <a:lumMod val="50000"/>
+              </a:schemeClr>
+            </a:solidFill>
+          </a:ln>
+        </p:spPr>
+        <p:style>
+          <a:lnRef idx="2">
+            <a:schemeClr val="accent1">
+              <a:shade val="50000"/>
+            </a:schemeClr>
+          </a:lnRef>
+          <a:fillRef idx="1">
+            <a:schemeClr val="accent1"/>
+          </a:fillRef>
+          <a:effectRef idx="0">
+            <a:schemeClr val="accent1"/>
+          </a:effectRef>
+          <a:fontRef idx="minor">
+            <a:schemeClr val="lt1"/>
+          </a:fontRef>
+        </p:style>
+        <p:txBody>
+          <a:bodyPr rtlCol="0" anchor="ctr"/>
+          <a:lstStyle/>
+          <a:p>
+            <a:pPr algn="ctr"/>
+            <a:r>
+              <a:rPr lang="en-US" altLang="ja-JP" sz="1200" dirty="0">
+                <a:solidFill>
+                  <a:sysClr val="windowText" lastClr="000000"/>
+                </a:solidFill>
+                <a:latin typeface="HackGen" panose="020B0509020203020207" pitchFamily="49" charset="-128"/>
+                <a:ea typeface="HackGen" panose="020B0509020203020207" pitchFamily="49" charset="-128"/>
+                <a:cs typeface="HackGen" panose="020B0509020203020207" pitchFamily="49" charset="-128"/>
+              </a:rPr>
+              <a:t>Predictor</a:t>
+            </a:r>
+            <a:endParaRPr kumimoji="1" lang="ja-JP" altLang="en-US" sz="1200" dirty="0">
+              <a:solidFill>
+                <a:sysClr val="windowText" lastClr="000000"/>
+              </a:solidFill>
+              <a:latin typeface="HackGen" panose="020B0509020203020207" pitchFamily="49" charset="-128"/>
+              <a:ea typeface="HackGen" panose="020B0509020203020207" pitchFamily="49" charset="-128"/>
+              <a:cs typeface="HackGen" panose="020B0509020203020207" pitchFamily="49" charset="-128"/>
+            </a:endParaRPr>
+          </a:p>
+        </p:txBody>
+      </p:sp>
+      <p:sp>
+        <p:nvSpPr>
+          <p:cNvPr id="15" name="正方形/長方形 14">
+            <a:extLst>
+              <a:ext uri="{FF2B5EF4-FFF2-40B4-BE49-F238E27FC236}">
+                <a16:creationId xmlns:a16="http://schemas.microsoft.com/office/drawing/2014/main" id="{887CE950-34A3-D288-05D0-BD50DD622A18}"/>
+              </a:ext>
+            </a:extLst>
+          </p:cNvPr>
+          <p:cNvSpPr/>
+          <p:nvPr/>
+        </p:nvSpPr>
+        <p:spPr>
+          <a:xfrm>
+            <a:off x="3925993" y="4059589"/>
+            <a:ext cx="1362406" cy="288057"/>
+          </a:xfrm>
+          <a:prstGeom prst="rect">
+            <a:avLst/>
+          </a:prstGeom>
+          <a:solidFill>
+            <a:schemeClr val="bg1"/>
+          </a:solidFill>
+          <a:ln w="9525">
+            <a:solidFill>
+              <a:schemeClr val="bg1">
+                <a:lumMod val="50000"/>
+              </a:schemeClr>
+            </a:solidFill>
+          </a:ln>
+        </p:spPr>
+        <p:style>
+          <a:lnRef idx="2">
+            <a:schemeClr val="accent1">
+              <a:shade val="50000"/>
+            </a:schemeClr>
+          </a:lnRef>
+          <a:fillRef idx="1">
+            <a:schemeClr val="accent1"/>
+          </a:fillRef>
+          <a:effectRef idx="0">
+            <a:schemeClr val="accent1"/>
+          </a:effectRef>
+          <a:fontRef idx="minor">
+            <a:schemeClr val="lt1"/>
+          </a:fontRef>
+        </p:style>
+        <p:txBody>
+          <a:bodyPr rtlCol="0" anchor="ctr"/>
+          <a:lstStyle/>
+          <a:p>
+            <a:pPr algn="ctr"/>
+            <a:r>
+              <a:rPr lang="en-US" altLang="ja-JP" sz="1200" dirty="0">
+                <a:solidFill>
+                  <a:sysClr val="windowText" lastClr="000000"/>
+                </a:solidFill>
+                <a:latin typeface="HackGen" panose="020B0509020203020207" pitchFamily="49" charset="-128"/>
+                <a:ea typeface="HackGen" panose="020B0509020203020207" pitchFamily="49" charset="-128"/>
+                <a:cs typeface="HackGen" panose="020B0509020203020207" pitchFamily="49" charset="-128"/>
+              </a:rPr>
+              <a:t>Export Job</a:t>
+            </a:r>
+            <a:endParaRPr kumimoji="1" lang="ja-JP" altLang="en-US" sz="1200" dirty="0">
+              <a:solidFill>
+                <a:sysClr val="windowText" lastClr="000000"/>
+              </a:solidFill>
+              <a:latin typeface="HackGen" panose="020B0509020203020207" pitchFamily="49" charset="-128"/>
+              <a:ea typeface="HackGen" panose="020B0509020203020207" pitchFamily="49" charset="-128"/>
+              <a:cs typeface="HackGen" panose="020B0509020203020207" pitchFamily="49" charset="-128"/>
+            </a:endParaRPr>
+          </a:p>
+        </p:txBody>
+      </p:sp>
+      <p:sp>
+        <p:nvSpPr>
+          <p:cNvPr id="17" name="正方形/長方形 16">
+            <a:extLst>
+              <a:ext uri="{FF2B5EF4-FFF2-40B4-BE49-F238E27FC236}">
+                <a16:creationId xmlns:a16="http://schemas.microsoft.com/office/drawing/2014/main" id="{B288E3F7-BA99-2CF0-D6E1-9F0A2C27AF31}"/>
+              </a:ext>
+            </a:extLst>
+          </p:cNvPr>
+          <p:cNvSpPr/>
+          <p:nvPr/>
+        </p:nvSpPr>
+        <p:spPr>
+          <a:xfrm>
+            <a:off x="3782790" y="3616220"/>
+            <a:ext cx="1362406" cy="288057"/>
+          </a:xfrm>
+          <a:prstGeom prst="rect">
+            <a:avLst/>
+          </a:prstGeom>
+          <a:solidFill>
+            <a:schemeClr val="bg1"/>
+          </a:solidFill>
+          <a:ln w="9525">
+            <a:solidFill>
+              <a:schemeClr val="bg1">
+                <a:lumMod val="50000"/>
+              </a:schemeClr>
+            </a:solidFill>
+          </a:ln>
+        </p:spPr>
+        <p:style>
+          <a:lnRef idx="2">
+            <a:schemeClr val="accent1">
+              <a:shade val="50000"/>
+            </a:schemeClr>
+          </a:lnRef>
+          <a:fillRef idx="1">
+            <a:schemeClr val="accent1"/>
+          </a:fillRef>
+          <a:effectRef idx="0">
+            <a:schemeClr val="accent1"/>
+          </a:effectRef>
+          <a:fontRef idx="minor">
+            <a:schemeClr val="lt1"/>
+          </a:fontRef>
+        </p:style>
+        <p:txBody>
+          <a:bodyPr rtlCol="0" anchor="ctr"/>
+          <a:lstStyle/>
+          <a:p>
+            <a:pPr algn="ctr"/>
+            <a:r>
+              <a:rPr lang="en-US" altLang="ja-JP" sz="1200" dirty="0">
+                <a:solidFill>
+                  <a:sysClr val="windowText" lastClr="000000"/>
+                </a:solidFill>
+                <a:latin typeface="HackGen" panose="020B0509020203020207" pitchFamily="49" charset="-128"/>
+                <a:ea typeface="HackGen" panose="020B0509020203020207" pitchFamily="49" charset="-128"/>
+                <a:cs typeface="HackGen" panose="020B0509020203020207" pitchFamily="49" charset="-128"/>
+              </a:rPr>
+              <a:t>Forecast</a:t>
+            </a:r>
+            <a:endParaRPr kumimoji="1" lang="ja-JP" altLang="en-US" sz="1200" dirty="0">
+              <a:solidFill>
+                <a:sysClr val="windowText" lastClr="000000"/>
+              </a:solidFill>
+              <a:latin typeface="HackGen" panose="020B0509020203020207" pitchFamily="49" charset="-128"/>
+              <a:ea typeface="HackGen" panose="020B0509020203020207" pitchFamily="49" charset="-128"/>
+              <a:cs typeface="HackGen" panose="020B0509020203020207" pitchFamily="49" charset="-128"/>
+            </a:endParaRPr>
+          </a:p>
+        </p:txBody>
+      </p:sp>
+      <p:sp>
+        <p:nvSpPr>
+          <p:cNvPr id="21" name="正方形/長方形 20">
+            <a:extLst>
+              <a:ext uri="{FF2B5EF4-FFF2-40B4-BE49-F238E27FC236}">
+                <a16:creationId xmlns:a16="http://schemas.microsoft.com/office/drawing/2014/main" id="{FC4A4F67-C3E7-E482-6543-993C7CC59D60}"/>
+              </a:ext>
+            </a:extLst>
+          </p:cNvPr>
+          <p:cNvSpPr/>
+          <p:nvPr/>
+        </p:nvSpPr>
+        <p:spPr>
+          <a:xfrm>
+            <a:off x="3439178" y="2627867"/>
+            <a:ext cx="1925302" cy="288057"/>
+          </a:xfrm>
+          <a:prstGeom prst="rect">
+            <a:avLst/>
+          </a:prstGeom>
+          <a:solidFill>
+            <a:srgbClr val="FFFFFF">
+              <a:alpha val="20000"/>
+            </a:srgbClr>
+          </a:solidFill>
+          <a:ln w="9525">
+            <a:noFill/>
+          </a:ln>
+        </p:spPr>
+        <p:style>
+          <a:lnRef idx="2">
+            <a:schemeClr val="accent1">
+              <a:shade val="50000"/>
+            </a:schemeClr>
+          </a:lnRef>
+          <a:fillRef idx="1">
+            <a:schemeClr val="accent1"/>
+          </a:fillRef>
+          <a:effectRef idx="0">
+            <a:schemeClr val="accent1"/>
+          </a:effectRef>
+          <a:fontRef idx="minor">
+            <a:schemeClr val="lt1"/>
+          </a:fontRef>
+        </p:style>
+        <p:txBody>
+          <a:bodyPr rtlCol="0" anchor="ctr"/>
+          <a:lstStyle/>
+          <a:p>
+            <a:pPr algn="ctr"/>
+            <a:r>
+              <a:rPr lang="ja-JP" altLang="en-US" sz="1200" dirty="0">
+                <a:solidFill>
+                  <a:sysClr val="windowText" lastClr="000000"/>
+                </a:solidFill>
+                <a:latin typeface="HackGen" panose="020B0509020203020207" pitchFamily="49" charset="-128"/>
+                <a:ea typeface="HackGen" panose="020B0509020203020207" pitchFamily="49" charset="-128"/>
+                <a:cs typeface="HackGen" panose="020B0509020203020207" pitchFamily="49" charset="-128"/>
+              </a:rPr>
+              <a:t>学習データとして使用</a:t>
+            </a:r>
+            <a:endParaRPr kumimoji="1" lang="ja-JP" altLang="en-US" sz="1200" dirty="0">
+              <a:solidFill>
+                <a:sysClr val="windowText" lastClr="000000"/>
+              </a:solidFill>
+              <a:latin typeface="HackGen" panose="020B0509020203020207" pitchFamily="49" charset="-128"/>
+              <a:ea typeface="HackGen" panose="020B0509020203020207" pitchFamily="49" charset="-128"/>
+              <a:cs typeface="HackGen" panose="020B0509020203020207" pitchFamily="49" charset="-128"/>
+            </a:endParaRPr>
+          </a:p>
+        </p:txBody>
+      </p:sp>
+      <p:sp>
+        <p:nvSpPr>
+          <p:cNvPr id="27" name="正方形/長方形 26">
+            <a:extLst>
+              <a:ext uri="{FF2B5EF4-FFF2-40B4-BE49-F238E27FC236}">
+                <a16:creationId xmlns:a16="http://schemas.microsoft.com/office/drawing/2014/main" id="{648049E1-BDED-1B59-CC30-4EE572CE27C2}"/>
+              </a:ext>
+            </a:extLst>
+          </p:cNvPr>
+          <p:cNvSpPr/>
+          <p:nvPr/>
+        </p:nvSpPr>
+        <p:spPr>
+          <a:xfrm>
+            <a:off x="1961430" y="2410058"/>
+            <a:ext cx="937742" cy="288057"/>
+          </a:xfrm>
+          <a:prstGeom prst="rect">
+            <a:avLst/>
+          </a:prstGeom>
+          <a:noFill/>
+          <a:ln w="9525">
+            <a:noFill/>
+          </a:ln>
+        </p:spPr>
+        <p:style>
+          <a:lnRef idx="2">
+            <a:schemeClr val="accent1">
+              <a:shade val="50000"/>
+            </a:schemeClr>
+          </a:lnRef>
+          <a:fillRef idx="1">
+            <a:schemeClr val="accent1"/>
+          </a:fillRef>
+          <a:effectRef idx="0">
+            <a:schemeClr val="accent1"/>
+          </a:effectRef>
+          <a:fontRef idx="minor">
+            <a:schemeClr val="lt1"/>
+          </a:fontRef>
+        </p:style>
+        <p:txBody>
+          <a:bodyPr rtlCol="0" anchor="ctr"/>
+          <a:lstStyle/>
+          <a:p>
+            <a:pPr algn="ctr"/>
+            <a:r>
+              <a:rPr lang="en-US" altLang="ja-JP" sz="1200" dirty="0">
+                <a:solidFill>
+                  <a:sysClr val="windowText" lastClr="000000"/>
+                </a:solidFill>
+                <a:latin typeface="HackGen" panose="020B0509020203020207" pitchFamily="49" charset="-128"/>
+                <a:ea typeface="HackGen" panose="020B0509020203020207" pitchFamily="49" charset="-128"/>
+                <a:cs typeface="HackGen" panose="020B0509020203020207" pitchFamily="49" charset="-128"/>
+              </a:rPr>
+              <a:t>Import</a:t>
+            </a:r>
+            <a:endParaRPr kumimoji="1" lang="ja-JP" altLang="en-US" sz="1200" dirty="0">
+              <a:solidFill>
+                <a:sysClr val="windowText" lastClr="000000"/>
+              </a:solidFill>
+              <a:latin typeface="HackGen" panose="020B0509020203020207" pitchFamily="49" charset="-128"/>
+              <a:ea typeface="HackGen" panose="020B0509020203020207" pitchFamily="49" charset="-128"/>
+              <a:cs typeface="HackGen" panose="020B0509020203020207" pitchFamily="49" charset="-128"/>
+            </a:endParaRPr>
+          </a:p>
+        </p:txBody>
+      </p:sp>
+      <p:sp>
+        <p:nvSpPr>
+          <p:cNvPr id="30" name="正方形/長方形 29">
+            <a:extLst>
+              <a:ext uri="{FF2B5EF4-FFF2-40B4-BE49-F238E27FC236}">
+                <a16:creationId xmlns:a16="http://schemas.microsoft.com/office/drawing/2014/main" id="{7C231F95-32EA-30E4-1481-4702C78E2B60}"/>
+              </a:ext>
+            </a:extLst>
+          </p:cNvPr>
+          <p:cNvSpPr/>
+          <p:nvPr/>
+        </p:nvSpPr>
+        <p:spPr>
+          <a:xfrm>
+            <a:off x="8190785" y="4599470"/>
+            <a:ext cx="1032920" cy="288057"/>
+          </a:xfrm>
+          <a:prstGeom prst="rect">
+            <a:avLst/>
+          </a:prstGeom>
+          <a:noFill/>
+          <a:ln w="9525">
+            <a:noFill/>
+          </a:ln>
+        </p:spPr>
+        <p:style>
+          <a:lnRef idx="2">
+            <a:schemeClr val="accent1">
+              <a:shade val="50000"/>
+            </a:schemeClr>
+          </a:lnRef>
+          <a:fillRef idx="1">
+            <a:schemeClr val="accent1"/>
+          </a:fillRef>
+          <a:effectRef idx="0">
+            <a:schemeClr val="accent1"/>
+          </a:effectRef>
+          <a:fontRef idx="minor">
+            <a:schemeClr val="lt1"/>
+          </a:fontRef>
+        </p:style>
+        <p:txBody>
+          <a:bodyPr rtlCol="0" anchor="ctr"/>
+          <a:lstStyle/>
+          <a:p>
+            <a:pPr algn="ctr"/>
+            <a:r>
+              <a:rPr lang="en-US" altLang="ja-JP" sz="1200" dirty="0">
+                <a:solidFill>
+                  <a:sysClr val="windowText" lastClr="000000"/>
+                </a:solidFill>
+                <a:latin typeface="HackGen" panose="020B0509020203020207" pitchFamily="49" charset="-128"/>
+                <a:ea typeface="HackGen" panose="020B0509020203020207" pitchFamily="49" charset="-128"/>
+                <a:cs typeface="HackGen" panose="020B0509020203020207" pitchFamily="49" charset="-128"/>
+              </a:rPr>
+              <a:t>Export</a:t>
             </a:r>
             <a:endParaRPr kumimoji="1" lang="ja-JP" altLang="en-US" sz="1200" dirty="0">
               <a:solidFill>
